--- a/peter-beinart-mensch-2020-11-01.pptx
+++ b/peter-beinart-mensch-2020-11-01.pptx
@@ -5193,8 +5193,8 @@
         </p:nvSpPr>
         <p:spPr>
           <a:xfrm>
-            <a:off x="3712428" y="13202927"/>
-            <a:ext cx="20312179" cy="551173"/>
+            <a:off x="3712428" y="13291827"/>
+            <a:ext cx="20312179" cy="462273"/>
           </a:xfrm>
           <a:prstGeom prst="rect">
             <a:avLst/>
@@ -5217,7 +5217,7 @@
               <a:spcBef>
                 <a:spcPts val="1200"/>
               </a:spcBef>
-              <a:defRPr b="1">
+              <a:defRPr b="1" sz="1800">
                 <a:solidFill>
                   <a:srgbClr val="FFFFFF"/>
                 </a:solidFill>
@@ -5408,14 +5408,14 @@
       </p:sp>
       <p:sp>
         <p:nvSpPr>
-          <p:cNvPr id="200" name="&lt; https://www.icloud.com/keynote/0ugNwDAAs8Zu19wBofFWovw1Q&gt;"/>
+          <p:cNvPr id="200" name="&lt;https://www.icloud.com/keynote/0ugNwDAAs8Zu19wBofFWovw1Q&gt; &lt;https://github.com/braddelong/public-files/blob/master/peter-beinart-mensch-2020-11-01.pptx&gt;"/>
           <p:cNvSpPr txBox="1"/>
           <p:nvPr/>
         </p:nvSpPr>
         <p:spPr>
           <a:xfrm>
-            <a:off x="402606" y="13177527"/>
-            <a:ext cx="20312180" cy="551173"/>
+            <a:off x="402606" y="13291827"/>
+            <a:ext cx="20312180" cy="462273"/>
           </a:xfrm>
           <a:prstGeom prst="rect">
             <a:avLst/>
@@ -5439,7 +5439,7 @@
               <a:spcBef>
                 <a:spcPts val="1200"/>
               </a:spcBef>
-              <a:defRPr b="1">
+              <a:defRPr b="1" sz="1800">
                 <a:solidFill>
                   <a:srgbClr val="FFFFFF"/>
                 </a:solidFill>
@@ -5455,13 +5455,22 @@
               </a:defRPr>
             </a:pPr>
             <a:r>
-              <a:t>&lt; </a:t>
-            </a:r>
-            <a:r>
-              <a:rPr u="sng">
+              <a:t>&lt;</a:t>
+            </a:r>
+            <a:r>
+              <a:rPr>
                 <a:hlinkClick r:id="rId4" invalidUrl="" action="" tgtFrame="" tooltip="" history="1" highlightClick="0" endSnd="0"/>
               </a:rPr>
               <a:t>https://www.icloud.com/keynote/0ugNwDAAs8Zu19wBofFWovw1Q</a:t>
+            </a:r>
+            <a:r>
+              <a:t>&gt; &lt;</a:t>
+            </a:r>
+            <a:r>
+              <a:rPr>
+                <a:hlinkClick r:id="rId5" invalidUrl="" action="" tgtFrame="" tooltip="" history="1" highlightClick="0" endSnd="0"/>
+              </a:rPr>
+              <a:t>https://github.com/braddelong/public-files/blob/master/peter-beinart-mensch-2020-11-01.pptx</a:t>
             </a:r>
             <a:r>
               <a:t>&gt;</a:t>
@@ -5516,7 +5525,7 @@
             </a:r>
             <a:r>
               <a:rPr u="sng">
-                <a:hlinkClick r:id="rId5" invalidUrl="" action="" tgtFrame="" tooltip="" history="1" highlightClick="0" endSnd="0"/>
+                <a:hlinkClick r:id="rId6" invalidUrl="" action="" tgtFrame="" tooltip="" history="1" highlightClick="0" endSnd="0"/>
               </a:rPr>
               <a:t>https://www.bradford-delong.com/2017/11/must-read-the-lead-makes-me-think-peter-beinart-was-a-real-idiot-and-he-is-very-very-late-to-the-party-for-so.html</a:t>
             </a:r>
